--- a/ppt/2_J2EE.pptx
+++ b/ppt/2_J2EE.pptx
@@ -208,7 +208,7 @@
           <a:p>
             <a:fld id="{0EF7D67E-4B58-4045-9D7A-2A3146F2289B}" type="datetimeFigureOut">
               <a:rPr lang="en-US" smtClean="0"/>
-              <a:t>9/4/19</a:t>
+              <a:t>9/7/19</a:t>
             </a:fld>
             <a:endParaRPr lang="en-US"/>
           </a:p>
@@ -1965,7 +1965,7 @@
           <a:p>
             <a:fld id="{0750AAB1-FE9E-4196-BD41-09EE7BF1C401}" type="datetimeFigureOut">
               <a:rPr lang="en-US" smtClean="0"/>
-              <a:t>9/4/19</a:t>
+              <a:t>9/7/19</a:t>
             </a:fld>
             <a:endParaRPr lang="en-US"/>
           </a:p>
@@ -2216,7 +2216,7 @@
           <a:p>
             <a:fld id="{0750AAB1-FE9E-4196-BD41-09EE7BF1C401}" type="datetimeFigureOut">
               <a:rPr lang="en-US" smtClean="0"/>
-              <a:t>9/4/19</a:t>
+              <a:t>9/7/19</a:t>
             </a:fld>
             <a:endParaRPr lang="en-US"/>
           </a:p>
@@ -2530,7 +2530,7 @@
           <a:p>
             <a:fld id="{0750AAB1-FE9E-4196-BD41-09EE7BF1C401}" type="datetimeFigureOut">
               <a:rPr lang="en-US" smtClean="0"/>
-              <a:t>9/4/19</a:t>
+              <a:t>9/7/19</a:t>
             </a:fld>
             <a:endParaRPr lang="en-US"/>
           </a:p>
@@ -2871,7 +2871,7 @@
           <a:p>
             <a:fld id="{0750AAB1-FE9E-4196-BD41-09EE7BF1C401}" type="datetimeFigureOut">
               <a:rPr lang="en-US" smtClean="0"/>
-              <a:t>9/4/19</a:t>
+              <a:t>9/7/19</a:t>
             </a:fld>
             <a:endParaRPr lang="en-US"/>
           </a:p>
@@ -3185,7 +3185,7 @@
           <a:p>
             <a:fld id="{0750AAB1-FE9E-4196-BD41-09EE7BF1C401}" type="datetimeFigureOut">
               <a:rPr lang="en-US" smtClean="0"/>
-              <a:t>9/4/19</a:t>
+              <a:t>9/7/19</a:t>
             </a:fld>
             <a:endParaRPr lang="en-US"/>
           </a:p>
@@ -3578,7 +3578,7 @@
           <a:p>
             <a:fld id="{0750AAB1-FE9E-4196-BD41-09EE7BF1C401}" type="datetimeFigureOut">
               <a:rPr lang="en-US" smtClean="0"/>
-              <a:t>9/4/19</a:t>
+              <a:t>9/7/19</a:t>
             </a:fld>
             <a:endParaRPr lang="en-US"/>
           </a:p>
@@ -3748,7 +3748,7 @@
           <a:p>
             <a:fld id="{0750AAB1-FE9E-4196-BD41-09EE7BF1C401}" type="datetimeFigureOut">
               <a:rPr lang="en-US" smtClean="0"/>
-              <a:t>9/4/19</a:t>
+              <a:t>9/7/19</a:t>
             </a:fld>
             <a:endParaRPr lang="en-US"/>
           </a:p>
@@ -3928,7 +3928,7 @@
           <a:p>
             <a:fld id="{0750AAB1-FE9E-4196-BD41-09EE7BF1C401}" type="datetimeFigureOut">
               <a:rPr lang="en-US" smtClean="0"/>
-              <a:t>9/4/19</a:t>
+              <a:t>9/7/19</a:t>
             </a:fld>
             <a:endParaRPr lang="en-US"/>
           </a:p>
@@ -4104,7 +4104,7 @@
           <a:p>
             <a:fld id="{0750AAB1-FE9E-4196-BD41-09EE7BF1C401}" type="datetimeFigureOut">
               <a:rPr lang="en-US" smtClean="0"/>
-              <a:t>9/4/19</a:t>
+              <a:t>9/7/19</a:t>
             </a:fld>
             <a:endParaRPr lang="en-US"/>
           </a:p>
@@ -4351,7 +4351,7 @@
           <a:p>
             <a:fld id="{0750AAB1-FE9E-4196-BD41-09EE7BF1C401}" type="datetimeFigureOut">
               <a:rPr lang="en-US" smtClean="0"/>
-              <a:t>9/4/19</a:t>
+              <a:t>9/7/19</a:t>
             </a:fld>
             <a:endParaRPr lang="en-US"/>
           </a:p>
@@ -4583,7 +4583,7 @@
           <a:p>
             <a:fld id="{0750AAB1-FE9E-4196-BD41-09EE7BF1C401}" type="datetimeFigureOut">
               <a:rPr lang="en-US" smtClean="0"/>
-              <a:t>9/4/19</a:t>
+              <a:t>9/7/19</a:t>
             </a:fld>
             <a:endParaRPr lang="en-US"/>
           </a:p>
@@ -4957,7 +4957,7 @@
           <a:p>
             <a:fld id="{0750AAB1-FE9E-4196-BD41-09EE7BF1C401}" type="datetimeFigureOut">
               <a:rPr lang="en-US" smtClean="0"/>
-              <a:t>9/4/19</a:t>
+              <a:t>9/7/19</a:t>
             </a:fld>
             <a:endParaRPr lang="en-US"/>
           </a:p>
@@ -5080,7 +5080,7 @@
           <a:p>
             <a:fld id="{0750AAB1-FE9E-4196-BD41-09EE7BF1C401}" type="datetimeFigureOut">
               <a:rPr lang="en-US" smtClean="0"/>
-              <a:t>9/4/19</a:t>
+              <a:t>9/7/19</a:t>
             </a:fld>
             <a:endParaRPr lang="en-US"/>
           </a:p>
@@ -5175,7 +5175,7 @@
           <a:p>
             <a:fld id="{0750AAB1-FE9E-4196-BD41-09EE7BF1C401}" type="datetimeFigureOut">
               <a:rPr lang="en-US" smtClean="0"/>
-              <a:t>9/4/19</a:t>
+              <a:t>9/7/19</a:t>
             </a:fld>
             <a:endParaRPr lang="en-US"/>
           </a:p>
@@ -5430,7 +5430,7 @@
           <a:p>
             <a:fld id="{0750AAB1-FE9E-4196-BD41-09EE7BF1C401}" type="datetimeFigureOut">
               <a:rPr lang="en-US" smtClean="0"/>
-              <a:t>9/4/19</a:t>
+              <a:t>9/7/19</a:t>
             </a:fld>
             <a:endParaRPr lang="en-US"/>
           </a:p>
@@ -5693,7 +5693,7 @@
           <a:p>
             <a:fld id="{0750AAB1-FE9E-4196-BD41-09EE7BF1C401}" type="datetimeFigureOut">
               <a:rPr lang="en-US" smtClean="0"/>
-              <a:t>9/4/19</a:t>
+              <a:t>9/7/19</a:t>
             </a:fld>
             <a:endParaRPr lang="en-US"/>
           </a:p>
@@ -6436,7 +6436,7 @@
           <a:p>
             <a:fld id="{0750AAB1-FE9E-4196-BD41-09EE7BF1C401}" type="datetimeFigureOut">
               <a:rPr lang="en-US" smtClean="0"/>
-              <a:t>9/4/19</a:t>
+              <a:t>9/7/19</a:t>
             </a:fld>
             <a:endParaRPr lang="en-US"/>
           </a:p>
@@ -8380,6 +8380,15 @@
             </a:r>
           </a:p>
           <a:p>
+            <a:r>
+              <a:rPr lang="en-US" dirty="0"/>
+              <a:t>index</a:t>
+            </a:r>
+          </a:p>
+          <a:p>
+            <a:pPr marL="0" indent="0">
+              <a:buNone/>
+            </a:pPr>
             <a:endParaRPr lang="en-US" dirty="0"/>
           </a:p>
           <a:p>
@@ -9276,8 +9285,8 @@
         </p:nvSpPr>
         <p:spPr>
           <a:xfrm>
-            <a:off x="677333" y="1440181"/>
-            <a:ext cx="8596667" cy="739141"/>
+            <a:off x="677334" y="1328654"/>
+            <a:ext cx="9924405" cy="739141"/>
           </a:xfrm>
         </p:spPr>
         <p:txBody>
@@ -9296,7 +9305,7 @@
             </a:r>
             <a:r>
               <a:rPr lang="en-US" dirty="0"/>
-              <a:t>, clone, pull, branch, checkout, add, commit, push, log</a:t>
+              <a:t>, clone, pull, branch, checkout, add, commit, push, log, fork, pull request, remote</a:t>
             </a:r>
           </a:p>
           <a:p>
